--- a/classes/stats2017/Lab01.pptx
+++ b/classes/stats2017/Lab01.pptx
@@ -3228,7 +3228,7 @@
         <p:spPr>
           <a:xfrm>
             <a:off x="228600" y="762000"/>
-            <a:ext cx="8763000" cy="1754326"/>
+            <a:ext cx="8763000" cy="2308324"/>
           </a:xfrm>
           <a:prstGeom prst="rect">
             <a:avLst/>
@@ -3243,21 +3243,27 @@
           <a:p>
             <a:r>
               <a:rPr lang="en-US" dirty="0"/>
-              <a:t>By the beginning of the next lab </a:t>
-            </a:r>
-            <a:r>
-              <a:rPr lang="en-US"/>
-              <a:t>(1/25), </a:t>
-            </a:r>
-            <a:r>
-              <a:rPr lang="en-US" dirty="0"/>
-              <a:t>send what you have to </a:t>
+              <a:t>By the beginning of the next lab (1/25), send what you have to </a:t>
             </a:r>
             <a:r>
               <a:rPr lang="en-US" dirty="0">
                 <a:hlinkClick r:id="rId2"/>
               </a:rPr>
               <a:t>afodor@uncc.edu</a:t>
+            </a:r>
+            <a:endParaRPr lang="en-US" dirty="0"/>
+          </a:p>
+          <a:p>
+            <a:endParaRPr lang="en-US" dirty="0"/>
+          </a:p>
+          <a:p>
+            <a:r>
+              <a:rPr lang="en-US" dirty="0"/>
+              <a:t>Put “Lab 01” in the </a:t>
+            </a:r>
+            <a:r>
+              <a:rPr lang="en-US"/>
+              <a:t>subject line</a:t>
             </a:r>
             <a:endParaRPr lang="en-US" dirty="0"/>
           </a:p>
